--- a/app/src/powerpoint para cartas/Presentación2.pptx
+++ b/app/src/powerpoint para cartas/Presentación2.pptx
@@ -302,7 +302,7 @@
           <a:p>
             <a:fld id="{ED5068BE-CC48-4432-805D-8C4C4168F1D3}" type="datetimeFigureOut">
               <a:rPr lang="es-ES" smtClean="0"/>
-              <a:t>27/04/2020</a:t>
+              <a:t>08/05/2020</a:t>
             </a:fld>
             <a:endParaRPr lang="es-ES"/>
           </a:p>
@@ -465,7 +465,7 @@
           <a:p>
             <a:fld id="{ED5068BE-CC48-4432-805D-8C4C4168F1D3}" type="datetimeFigureOut">
               <a:rPr lang="es-ES" smtClean="0"/>
-              <a:t>27/04/2020</a:t>
+              <a:t>08/05/2020</a:t>
             </a:fld>
             <a:endParaRPr lang="es-ES"/>
           </a:p>
@@ -638,7 +638,7 @@
           <a:p>
             <a:fld id="{ED5068BE-CC48-4432-805D-8C4C4168F1D3}" type="datetimeFigureOut">
               <a:rPr lang="es-ES" smtClean="0"/>
-              <a:t>27/04/2020</a:t>
+              <a:t>08/05/2020</a:t>
             </a:fld>
             <a:endParaRPr lang="es-ES"/>
           </a:p>
@@ -801,7 +801,7 @@
           <a:p>
             <a:fld id="{ED5068BE-CC48-4432-805D-8C4C4168F1D3}" type="datetimeFigureOut">
               <a:rPr lang="es-ES" smtClean="0"/>
-              <a:t>27/04/2020</a:t>
+              <a:t>08/05/2020</a:t>
             </a:fld>
             <a:endParaRPr lang="es-ES"/>
           </a:p>
@@ -1041,7 +1041,7 @@
           <a:p>
             <a:fld id="{ED5068BE-CC48-4432-805D-8C4C4168F1D3}" type="datetimeFigureOut">
               <a:rPr lang="es-ES" smtClean="0"/>
-              <a:t>27/04/2020</a:t>
+              <a:t>08/05/2020</a:t>
             </a:fld>
             <a:endParaRPr lang="es-ES"/>
           </a:p>
@@ -1321,7 +1321,7 @@
           <a:p>
             <a:fld id="{ED5068BE-CC48-4432-805D-8C4C4168F1D3}" type="datetimeFigureOut">
               <a:rPr lang="es-ES" smtClean="0"/>
-              <a:t>27/04/2020</a:t>
+              <a:t>08/05/2020</a:t>
             </a:fld>
             <a:endParaRPr lang="es-ES"/>
           </a:p>
@@ -1735,7 +1735,7 @@
           <a:p>
             <a:fld id="{ED5068BE-CC48-4432-805D-8C4C4168F1D3}" type="datetimeFigureOut">
               <a:rPr lang="es-ES" smtClean="0"/>
-              <a:t>27/04/2020</a:t>
+              <a:t>08/05/2020</a:t>
             </a:fld>
             <a:endParaRPr lang="es-ES"/>
           </a:p>
@@ -1847,7 +1847,7 @@
           <a:p>
             <a:fld id="{ED5068BE-CC48-4432-805D-8C4C4168F1D3}" type="datetimeFigureOut">
               <a:rPr lang="es-ES" smtClean="0"/>
-              <a:t>27/04/2020</a:t>
+              <a:t>08/05/2020</a:t>
             </a:fld>
             <a:endParaRPr lang="es-ES"/>
           </a:p>
@@ -1937,7 +1937,7 @@
           <a:p>
             <a:fld id="{ED5068BE-CC48-4432-805D-8C4C4168F1D3}" type="datetimeFigureOut">
               <a:rPr lang="es-ES" smtClean="0"/>
-              <a:t>27/04/2020</a:t>
+              <a:t>08/05/2020</a:t>
             </a:fld>
             <a:endParaRPr lang="es-ES"/>
           </a:p>
@@ -2207,7 +2207,7 @@
           <a:p>
             <a:fld id="{ED5068BE-CC48-4432-805D-8C4C4168F1D3}" type="datetimeFigureOut">
               <a:rPr lang="es-ES" smtClean="0"/>
-              <a:t>27/04/2020</a:t>
+              <a:t>08/05/2020</a:t>
             </a:fld>
             <a:endParaRPr lang="es-ES"/>
           </a:p>
@@ -2454,7 +2454,7 @@
           <a:p>
             <a:fld id="{ED5068BE-CC48-4432-805D-8C4C4168F1D3}" type="datetimeFigureOut">
               <a:rPr lang="es-ES" smtClean="0"/>
-              <a:t>27/04/2020</a:t>
+              <a:t>08/05/2020</a:t>
             </a:fld>
             <a:endParaRPr lang="es-ES"/>
           </a:p>
@@ -2660,7 +2660,7 @@
           <a:p>
             <a:fld id="{ED5068BE-CC48-4432-805D-8C4C4168F1D3}" type="datetimeFigureOut">
               <a:rPr lang="es-ES" smtClean="0"/>
-              <a:t>27/04/2020</a:t>
+              <a:t>08/05/2020</a:t>
             </a:fld>
             <a:endParaRPr lang="es-ES"/>
           </a:p>
@@ -3211,7 +3211,7 @@
         </p:blipFill>
         <p:spPr bwMode="auto">
           <a:xfrm flipH="1">
-            <a:off x="3108665" y="2491945"/>
+            <a:off x="3259906" y="2534163"/>
             <a:ext cx="2926670" cy="1874110"/>
           </a:xfrm>
           <a:prstGeom prst="rect">
@@ -3227,6 +3227,186 @@
               </a14:hiddenFill>
             </a:ext>
           </a:extLst>
+        </p:spPr>
+      </p:pic>
+      <p:pic>
+        <p:nvPicPr>
+          <p:cNvPr id="3" name="Imagen 2" descr="Imagen que contiene coche, negro, montar a caballo, camioneta&#10;&#10;Descripción generada automáticamente">
+            <a:extLst>
+              <a:ext uri="{FF2B5EF4-FFF2-40B4-BE49-F238E27FC236}">
+                <a16:creationId xmlns:a16="http://schemas.microsoft.com/office/drawing/2014/main" id="{6DF9C8D1-74EC-4326-9B0E-ABA8577C1D14}"/>
+              </a:ext>
+            </a:extLst>
+          </p:cNvPr>
+          <p:cNvPicPr>
+            <a:picLocks noChangeAspect="1"/>
+          </p:cNvPicPr>
+          <p:nvPr/>
+        </p:nvPicPr>
+        <p:blipFill>
+          <a:blip r:embed="rId4" cstate="print">
+            <a:extLst>
+              <a:ext uri="{28A0092B-C50C-407E-A947-70E740481C1C}">
+                <a14:useLocalDpi xmlns:a14="http://schemas.microsoft.com/office/drawing/2010/main" val="0"/>
+              </a:ext>
+            </a:extLst>
+          </a:blip>
+          <a:stretch>
+            <a:fillRect/>
+          </a:stretch>
+        </p:blipFill>
+        <p:spPr>
+          <a:xfrm>
+            <a:off x="3205755" y="2845589"/>
+            <a:ext cx="2926671" cy="1251258"/>
+          </a:xfrm>
+          <a:prstGeom prst="rect">
+            <a:avLst/>
+          </a:prstGeom>
+        </p:spPr>
+      </p:pic>
+      <p:pic>
+        <p:nvPicPr>
+          <p:cNvPr id="10" name="Imagen 9" descr="Imagen digital de un coche&#10;&#10;Descripción generada automáticamente">
+            <a:extLst>
+              <a:ext uri="{FF2B5EF4-FFF2-40B4-BE49-F238E27FC236}">
+                <a16:creationId xmlns:a16="http://schemas.microsoft.com/office/drawing/2014/main" id="{C93941AE-7311-4541-BF3F-32CEC19E813E}"/>
+              </a:ext>
+            </a:extLst>
+          </p:cNvPr>
+          <p:cNvPicPr>
+            <a:picLocks noChangeAspect="1"/>
+          </p:cNvPicPr>
+          <p:nvPr/>
+        </p:nvPicPr>
+        <p:blipFill>
+          <a:blip r:embed="rId5">
+            <a:extLst>
+              <a:ext uri="{28A0092B-C50C-407E-A947-70E740481C1C}">
+                <a14:useLocalDpi xmlns:a14="http://schemas.microsoft.com/office/drawing/2010/main" val="0"/>
+              </a:ext>
+            </a:extLst>
+          </a:blip>
+          <a:stretch>
+            <a:fillRect/>
+          </a:stretch>
+        </p:blipFill>
+        <p:spPr>
+          <a:xfrm>
+            <a:off x="3083345" y="2653223"/>
+            <a:ext cx="2884507" cy="1635989"/>
+          </a:xfrm>
+          <a:prstGeom prst="rect">
+            <a:avLst/>
+          </a:prstGeom>
+        </p:spPr>
+      </p:pic>
+      <p:pic>
+        <p:nvPicPr>
+          <p:cNvPr id="14" name="Imagen 13" descr="Un coche deportivo de color rojo&#10;&#10;Descripción generada automáticamente">
+            <a:extLst>
+              <a:ext uri="{FF2B5EF4-FFF2-40B4-BE49-F238E27FC236}">
+                <a16:creationId xmlns:a16="http://schemas.microsoft.com/office/drawing/2014/main" id="{3D3CFCC2-F7A7-49DD-9E4B-E67D56C64E44}"/>
+              </a:ext>
+            </a:extLst>
+          </p:cNvPr>
+          <p:cNvPicPr>
+            <a:picLocks noChangeAspect="1"/>
+          </p:cNvPicPr>
+          <p:nvPr/>
+        </p:nvPicPr>
+        <p:blipFill>
+          <a:blip r:embed="rId6" cstate="print">
+            <a:extLst>
+              <a:ext uri="{28A0092B-C50C-407E-A947-70E740481C1C}">
+                <a14:useLocalDpi xmlns:a14="http://schemas.microsoft.com/office/drawing/2010/main" val="0"/>
+              </a:ext>
+            </a:extLst>
+          </a:blip>
+          <a:stretch>
+            <a:fillRect/>
+          </a:stretch>
+        </p:blipFill>
+        <p:spPr>
+          <a:xfrm>
+            <a:off x="3187379" y="2534161"/>
+            <a:ext cx="2932862" cy="1874111"/>
+          </a:xfrm>
+          <a:prstGeom prst="rect">
+            <a:avLst/>
+          </a:prstGeom>
+        </p:spPr>
+      </p:pic>
+      <p:pic>
+        <p:nvPicPr>
+          <p:cNvPr id="16" name="Imagen 15" descr="Un coche deportivo de color verde&#10;&#10;Descripción generada automáticamente">
+            <a:extLst>
+              <a:ext uri="{FF2B5EF4-FFF2-40B4-BE49-F238E27FC236}">
+                <a16:creationId xmlns:a16="http://schemas.microsoft.com/office/drawing/2014/main" id="{67FA6A4E-90F6-4E20-9799-E13D5C448530}"/>
+              </a:ext>
+            </a:extLst>
+          </p:cNvPr>
+          <p:cNvPicPr>
+            <a:picLocks noChangeAspect="1"/>
+          </p:cNvPicPr>
+          <p:nvPr/>
+        </p:nvPicPr>
+        <p:blipFill>
+          <a:blip r:embed="rId7" cstate="print">
+            <a:extLst>
+              <a:ext uri="{28A0092B-C50C-407E-A947-70E740481C1C}">
+                <a14:useLocalDpi xmlns:a14="http://schemas.microsoft.com/office/drawing/2010/main" val="0"/>
+              </a:ext>
+            </a:extLst>
+          </a:blip>
+          <a:stretch>
+            <a:fillRect/>
+          </a:stretch>
+        </p:blipFill>
+        <p:spPr>
+          <a:xfrm>
+            <a:off x="3000364" y="2944148"/>
+            <a:ext cx="3050468" cy="969703"/>
+          </a:xfrm>
+          <a:prstGeom prst="rect">
+            <a:avLst/>
+          </a:prstGeom>
+        </p:spPr>
+      </p:pic>
+      <p:pic>
+        <p:nvPicPr>
+          <p:cNvPr id="18" name="Imagen 17" descr="Imagen que contiene coche, camión&#10;&#10;Descripción generada automáticamente">
+            <a:extLst>
+              <a:ext uri="{FF2B5EF4-FFF2-40B4-BE49-F238E27FC236}">
+                <a16:creationId xmlns:a16="http://schemas.microsoft.com/office/drawing/2014/main" id="{9720B3BB-752D-40F2-AD84-598BE3E44D73}"/>
+              </a:ext>
+            </a:extLst>
+          </p:cNvPr>
+          <p:cNvPicPr>
+            <a:picLocks noChangeAspect="1"/>
+          </p:cNvPicPr>
+          <p:nvPr/>
+        </p:nvPicPr>
+        <p:blipFill>
+          <a:blip r:embed="rId8" cstate="print">
+            <a:extLst>
+              <a:ext uri="{28A0092B-C50C-407E-A947-70E740481C1C}">
+                <a14:useLocalDpi xmlns:a14="http://schemas.microsoft.com/office/drawing/2010/main" val="0"/>
+              </a:ext>
+            </a:extLst>
+          </a:blip>
+          <a:stretch>
+            <a:fillRect/>
+          </a:stretch>
+        </p:blipFill>
+        <p:spPr>
+          <a:xfrm>
+            <a:off x="3203847" y="2060847"/>
+            <a:ext cx="2736305" cy="2736305"/>
+          </a:xfrm>
+          <a:prstGeom prst="rect">
+            <a:avLst/>
+          </a:prstGeom>
         </p:spPr>
       </p:pic>
     </p:spTree>
